--- a/GenAI_Workshop.pptx
+++ b/GenAI_Workshop.pptx
@@ -21675,7 +21675,16 @@
                 <a:cs typeface="Calibri"/>
                 <a:sym typeface="Calibri"/>
               </a:rPr>
-              <a:t>0:25 – 0:45  Prompt Design  	– Draft classification prompts</a:t>
+              <a:t>0:25 – 0:45  </a:t>
+            </a:r>
+            <a:r>
+              <a:rPr lang="en-US">
+                <a:latin typeface="Calibri"/>
+                <a:ea typeface="Calibri"/>
+                <a:cs typeface="Calibri"/>
+                <a:sym typeface="Calibri"/>
+              </a:rPr>
+              <a:t>Model Integration  – Connect to LLM APIs</a:t>
             </a:r>
             <a:br>
               <a:rPr lang="en-US">
@@ -21692,7 +21701,16 @@
                 <a:cs typeface="Calibri"/>
                 <a:sym typeface="Calibri"/>
               </a:rPr>
-              <a:t>0:45 – 1:10  Model Integration  – Connect to LLM APIs</a:t>
+              <a:t>0:45 – 1:10  </a:t>
+            </a:r>
+            <a:r>
+              <a:rPr lang="en-US">
+                <a:latin typeface="Calibri"/>
+                <a:ea typeface="Calibri"/>
+                <a:cs typeface="Calibri"/>
+                <a:sym typeface="Calibri"/>
+              </a:rPr>
+              <a:t>Prompt Design  	– Draft classification prompts</a:t>
             </a:r>
             <a:br>
               <a:rPr lang="en-US">
@@ -21709,7 +21727,7 @@
                 <a:cs typeface="Calibri"/>
                 <a:sym typeface="Calibri"/>
               </a:rPr>
-              <a:t>1:10 – 1:30  Scaling Up     	– Run classification</a:t>
+              <a:t>1:10 – 1:30  Implementation    	– Run classifications</a:t>
             </a:r>
             <a:br>
               <a:rPr lang="en-US">
@@ -21726,7 +21744,7 @@
                 <a:cs typeface="Calibri"/>
                 <a:sym typeface="Calibri"/>
               </a:rPr>
-              <a:t>1:30 – 1:50  Visualization  	– Analyse the classified tweets</a:t>
+              <a:t>1:30 – 1:50  Results  	– Analyse the classified tweets</a:t>
             </a:r>
             <a:br>
               <a:rPr lang="en-US">
@@ -21743,7 +21761,7 @@
                 <a:cs typeface="Calibri"/>
                 <a:sym typeface="Calibri"/>
               </a:rPr>
-              <a:t>1:50 – 2:00  Wrap-Up        	– Discussion and next steps</a:t>
+              <a:t>1:50 – 2:00  Conclusions     	– Discussion and next steps</a:t>
             </a:r>
             <a:endParaRPr>
               <a:latin typeface="Calibri"/>
@@ -22670,9 +22688,9 @@
 </file>
 
 <file path=ppt/theme/theme1.xml><?xml version="1.0" encoding="utf-8"?>
-<a:theme xmlns:a="http://schemas.openxmlformats.org/drawingml/2006/main" xmlns:r="http://schemas.openxmlformats.org/officeDocument/2006/relationships">
+<a:theme xmlns:a="http://schemas.openxmlformats.org/drawingml/2006/main" xmlns:r="http://schemas.openxmlformats.org/officeDocument/2006/relationships" name="Simple Light">
   <a:themeElements>
-    <a:clrScheme name="Default">
+    <a:clrScheme name="Simple Light">
       <a:dk1>
         <a:srgbClr val="000000"/>
       </a:dk1>
@@ -22680,34 +22698,34 @@
         <a:srgbClr val="FFFFFF"/>
       </a:lt1>
       <a:dk2>
-        <a:srgbClr val="158158"/>
+        <a:srgbClr val="595959"/>
       </a:dk2>
       <a:lt2>
-        <a:srgbClr val="F3F3F3"/>
+        <a:srgbClr val="EEEEEE"/>
       </a:lt2>
       <a:accent1>
-        <a:srgbClr val="058DC7"/>
+        <a:srgbClr val="4285F4"/>
       </a:accent1>
       <a:accent2>
-        <a:srgbClr val="50B432"/>
+        <a:srgbClr val="212121"/>
       </a:accent2>
       <a:accent3>
-        <a:srgbClr val="ED561B"/>
+        <a:srgbClr val="78909C"/>
       </a:accent3>
       <a:accent4>
-        <a:srgbClr val="EDEF00"/>
+        <a:srgbClr val="FFAB40"/>
       </a:accent4>
       <a:accent5>
-        <a:srgbClr val="24CBE5"/>
+        <a:srgbClr val="0097A7"/>
       </a:accent5>
       <a:accent6>
-        <a:srgbClr val="64E572"/>
+        <a:srgbClr val="EEFF41"/>
       </a:accent6>
       <a:hlink>
-        <a:srgbClr val="2200CC"/>
+        <a:srgbClr val="0097A7"/>
       </a:hlink>
       <a:folHlink>
-        <a:srgbClr val="551A8B"/>
+        <a:srgbClr val="0097A7"/>
       </a:folHlink>
     </a:clrScheme>
     <a:fontScheme name="Office">
@@ -22949,9 +22967,9 @@
 </file>
 
 <file path=ppt/theme/theme2.xml><?xml version="1.0" encoding="utf-8"?>
-<a:theme xmlns:a="http://schemas.openxmlformats.org/drawingml/2006/main" xmlns:r="http://schemas.openxmlformats.org/officeDocument/2006/relationships" name="Simple Light">
+<a:theme xmlns:a="http://schemas.openxmlformats.org/drawingml/2006/main" xmlns:r="http://schemas.openxmlformats.org/officeDocument/2006/relationships">
   <a:themeElements>
-    <a:clrScheme name="Simple Light">
+    <a:clrScheme name="Default">
       <a:dk1>
         <a:srgbClr val="000000"/>
       </a:dk1>
@@ -22959,34 +22977,34 @@
         <a:srgbClr val="FFFFFF"/>
       </a:lt1>
       <a:dk2>
-        <a:srgbClr val="595959"/>
+        <a:srgbClr val="158158"/>
       </a:dk2>
       <a:lt2>
-        <a:srgbClr val="EEEEEE"/>
+        <a:srgbClr val="F3F3F3"/>
       </a:lt2>
       <a:accent1>
-        <a:srgbClr val="4285F4"/>
+        <a:srgbClr val="058DC7"/>
       </a:accent1>
       <a:accent2>
-        <a:srgbClr val="212121"/>
+        <a:srgbClr val="50B432"/>
       </a:accent2>
       <a:accent3>
-        <a:srgbClr val="78909C"/>
+        <a:srgbClr val="ED561B"/>
       </a:accent3>
       <a:accent4>
-        <a:srgbClr val="FFAB40"/>
+        <a:srgbClr val="EDEF00"/>
       </a:accent4>
       <a:accent5>
-        <a:srgbClr val="0097A7"/>
+        <a:srgbClr val="24CBE5"/>
       </a:accent5>
       <a:accent6>
-        <a:srgbClr val="EEFF41"/>
+        <a:srgbClr val="64E572"/>
       </a:accent6>
       <a:hlink>
-        <a:srgbClr val="0097A7"/>
+        <a:srgbClr val="2200CC"/>
       </a:hlink>
       <a:folHlink>
-        <a:srgbClr val="0097A7"/>
+        <a:srgbClr val="551A8B"/>
       </a:folHlink>
     </a:clrScheme>
     <a:fontScheme name="Office">
